--- a/figs/models.pptx
+++ b/figs/models.pptx
@@ -104,6 +104,11 @@
       </a:defRPr>
     </a:lvl9pPr>
   </p:defaultTextStyle>
+  <p:extLst>
+    <p:ext uri="{EFAFB233-063F-42B5-8137-9DF3F51BA10A}">
+      <p15:sldGuideLst xmlns:p15="http://schemas.microsoft.com/office/powerpoint/2012/main"/>
+    </p:ext>
+  </p:extLst>
 </p:presentation>
 </file>
 
@@ -238,7 +243,7 @@
           <a:p>
             <a:fld id="{FB7EAFAB-9B03-4AE3-98E8-E3FE8F90ED90}" type="datetimeFigureOut">
               <a:rPr lang="en-US" smtClean="0"/>
-              <a:t>7/31/2015</a:t>
+              <a:t>8/1/15</a:t>
             </a:fld>
             <a:endParaRPr lang="en-US"/>
           </a:p>
@@ -408,7 +413,7 @@
           <a:p>
             <a:fld id="{FB7EAFAB-9B03-4AE3-98E8-E3FE8F90ED90}" type="datetimeFigureOut">
               <a:rPr lang="en-US" smtClean="0"/>
-              <a:t>7/31/2015</a:t>
+              <a:t>8/1/15</a:t>
             </a:fld>
             <a:endParaRPr lang="en-US"/>
           </a:p>
@@ -588,7 +593,7 @@
           <a:p>
             <a:fld id="{FB7EAFAB-9B03-4AE3-98E8-E3FE8F90ED90}" type="datetimeFigureOut">
               <a:rPr lang="en-US" smtClean="0"/>
-              <a:t>7/31/2015</a:t>
+              <a:t>8/1/15</a:t>
             </a:fld>
             <a:endParaRPr lang="en-US"/>
           </a:p>
@@ -758,7 +763,7 @@
           <a:p>
             <a:fld id="{FB7EAFAB-9B03-4AE3-98E8-E3FE8F90ED90}" type="datetimeFigureOut">
               <a:rPr lang="en-US" smtClean="0"/>
-              <a:t>7/31/2015</a:t>
+              <a:t>8/1/15</a:t>
             </a:fld>
             <a:endParaRPr lang="en-US"/>
           </a:p>
@@ -1004,7 +1009,7 @@
           <a:p>
             <a:fld id="{FB7EAFAB-9B03-4AE3-98E8-E3FE8F90ED90}" type="datetimeFigureOut">
               <a:rPr lang="en-US" smtClean="0"/>
-              <a:t>7/31/2015</a:t>
+              <a:t>8/1/15</a:t>
             </a:fld>
             <a:endParaRPr lang="en-US"/>
           </a:p>
@@ -1236,7 +1241,7 @@
           <a:p>
             <a:fld id="{FB7EAFAB-9B03-4AE3-98E8-E3FE8F90ED90}" type="datetimeFigureOut">
               <a:rPr lang="en-US" smtClean="0"/>
-              <a:t>7/31/2015</a:t>
+              <a:t>8/1/15</a:t>
             </a:fld>
             <a:endParaRPr lang="en-US"/>
           </a:p>
@@ -1603,7 +1608,7 @@
           <a:p>
             <a:fld id="{FB7EAFAB-9B03-4AE3-98E8-E3FE8F90ED90}" type="datetimeFigureOut">
               <a:rPr lang="en-US" smtClean="0"/>
-              <a:t>7/31/2015</a:t>
+              <a:t>8/1/15</a:t>
             </a:fld>
             <a:endParaRPr lang="en-US"/>
           </a:p>
@@ -1721,7 +1726,7 @@
           <a:p>
             <a:fld id="{FB7EAFAB-9B03-4AE3-98E8-E3FE8F90ED90}" type="datetimeFigureOut">
               <a:rPr lang="en-US" smtClean="0"/>
-              <a:t>7/31/2015</a:t>
+              <a:t>8/1/15</a:t>
             </a:fld>
             <a:endParaRPr lang="en-US"/>
           </a:p>
@@ -1816,7 +1821,7 @@
           <a:p>
             <a:fld id="{FB7EAFAB-9B03-4AE3-98E8-E3FE8F90ED90}" type="datetimeFigureOut">
               <a:rPr lang="en-US" smtClean="0"/>
-              <a:t>7/31/2015</a:t>
+              <a:t>8/1/15</a:t>
             </a:fld>
             <a:endParaRPr lang="en-US"/>
           </a:p>
@@ -2093,7 +2098,7 @@
           <a:p>
             <a:fld id="{FB7EAFAB-9B03-4AE3-98E8-E3FE8F90ED90}" type="datetimeFigureOut">
               <a:rPr lang="en-US" smtClean="0"/>
-              <a:t>7/31/2015</a:t>
+              <a:t>8/1/15</a:t>
             </a:fld>
             <a:endParaRPr lang="en-US"/>
           </a:p>
@@ -2346,7 +2351,7 @@
           <a:p>
             <a:fld id="{FB7EAFAB-9B03-4AE3-98E8-E3FE8F90ED90}" type="datetimeFigureOut">
               <a:rPr lang="en-US" smtClean="0"/>
-              <a:t>7/31/2015</a:t>
+              <a:t>8/1/15</a:t>
             </a:fld>
             <a:endParaRPr lang="en-US"/>
           </a:p>
@@ -2559,7 +2564,7 @@
           <a:p>
             <a:fld id="{FB7EAFAB-9B03-4AE3-98E8-E3FE8F90ED90}" type="datetimeFigureOut">
               <a:rPr lang="en-US" smtClean="0"/>
-              <a:t>7/31/2015</a:t>
+              <a:t>8/1/15</a:t>
             </a:fld>
             <a:endParaRPr lang="en-US"/>
           </a:p>
@@ -3101,9 +3106,329 @@
           </a:extLst>
         </p:spPr>
       </p:pic>
+      <p:sp>
+        <p:nvSpPr>
+          <p:cNvPr id="11" name="文本框 10"/>
+          <p:cNvSpPr txBox="1"/>
+          <p:nvPr/>
+        </p:nvSpPr>
+        <p:spPr>
+          <a:xfrm>
+            <a:off x="1754657" y="2862138"/>
+            <a:ext cx="1766894" cy="369332"/>
+          </a:xfrm>
+          <a:prstGeom prst="rect">
+            <a:avLst/>
+          </a:prstGeom>
+          <a:noFill/>
+        </p:spPr>
+        <p:txBody>
+          <a:bodyPr wrap="none" rtlCol="0">
+            <a:spAutoFit/>
+          </a:bodyPr>
+          <a:lstStyle/>
+          <a:p>
+            <a:r>
+              <a:rPr lang="en-US" dirty="0" smtClean="0"/>
+              <a:t>Structural Model</a:t>
+            </a:r>
+            <a:endParaRPr lang="en-US" dirty="0"/>
+          </a:p>
+        </p:txBody>
+      </p:sp>
+      <p:sp>
+        <p:nvSpPr>
+          <p:cNvPr id="15" name="文本框 14"/>
+          <p:cNvSpPr txBox="1"/>
+          <p:nvPr/>
+        </p:nvSpPr>
+        <p:spPr>
+          <a:xfrm>
+            <a:off x="1706839" y="5973954"/>
+            <a:ext cx="1887761" cy="369332"/>
+          </a:xfrm>
+          <a:prstGeom prst="rect">
+            <a:avLst/>
+          </a:prstGeom>
+          <a:noFill/>
+        </p:spPr>
+        <p:txBody>
+          <a:bodyPr wrap="none" rtlCol="0">
+            <a:spAutoFit/>
+          </a:bodyPr>
+          <a:lstStyle/>
+          <a:p>
+            <a:r>
+              <a:rPr lang="en-US" dirty="0" smtClean="0"/>
+              <a:t>Blood Flow Model</a:t>
+            </a:r>
+            <a:endParaRPr lang="en-US" dirty="0"/>
+          </a:p>
+        </p:txBody>
+      </p:sp>
+      <p:sp>
+        <p:nvSpPr>
+          <p:cNvPr id="12" name="右箭头 11"/>
+          <p:cNvSpPr/>
+          <p:nvPr/>
+        </p:nvSpPr>
+        <p:spPr>
+          <a:xfrm rot="12820924">
+            <a:off x="3497390" y="2457173"/>
+            <a:ext cx="681134" cy="167951"/>
+          </a:xfrm>
+          <a:prstGeom prst="rightArrow">
+            <a:avLst/>
+          </a:prstGeom>
+          <a:noFill/>
+          <a:ln w="28575">
+            <a:solidFill>
+              <a:schemeClr val="tx1"/>
+            </a:solidFill>
+          </a:ln>
+        </p:spPr>
+        <p:style>
+          <a:lnRef idx="2">
+            <a:schemeClr val="accent1">
+              <a:shade val="50000"/>
+            </a:schemeClr>
+          </a:lnRef>
+          <a:fillRef idx="1">
+            <a:schemeClr val="accent1"/>
+          </a:fillRef>
+          <a:effectRef idx="0">
+            <a:schemeClr val="accent1"/>
+          </a:effectRef>
+          <a:fontRef idx="minor">
+            <a:schemeClr val="lt1"/>
+          </a:fontRef>
+        </p:style>
+        <p:txBody>
+          <a:bodyPr rtlCol="0" anchor="ctr"/>
+          <a:lstStyle/>
+          <a:p>
+            <a:pPr algn="ctr"/>
+            <a:endParaRPr lang="en-US"/>
+          </a:p>
+        </p:txBody>
+      </p:sp>
+      <p:sp>
+        <p:nvSpPr>
+          <p:cNvPr id="17" name="右箭头 16"/>
+          <p:cNvSpPr/>
+          <p:nvPr/>
+        </p:nvSpPr>
+        <p:spPr>
+          <a:xfrm rot="8296692">
+            <a:off x="3551189" y="3915358"/>
+            <a:ext cx="681134" cy="167951"/>
+          </a:xfrm>
+          <a:prstGeom prst="rightArrow">
+            <a:avLst/>
+          </a:prstGeom>
+          <a:noFill/>
+          <a:ln w="28575">
+            <a:solidFill>
+              <a:schemeClr val="tx1"/>
+            </a:solidFill>
+          </a:ln>
+        </p:spPr>
+        <p:style>
+          <a:lnRef idx="2">
+            <a:schemeClr val="accent1">
+              <a:shade val="50000"/>
+            </a:schemeClr>
+          </a:lnRef>
+          <a:fillRef idx="1">
+            <a:schemeClr val="accent1"/>
+          </a:fillRef>
+          <a:effectRef idx="0">
+            <a:schemeClr val="accent1"/>
+          </a:effectRef>
+          <a:fontRef idx="minor">
+            <a:schemeClr val="lt1"/>
+          </a:fontRef>
+        </p:style>
+        <p:txBody>
+          <a:bodyPr rtlCol="0" anchor="ctr"/>
+          <a:lstStyle/>
+          <a:p>
+            <a:pPr algn="ctr"/>
+            <a:endParaRPr lang="en-US"/>
+          </a:p>
+        </p:txBody>
+      </p:sp>
+      <p:sp>
+        <p:nvSpPr>
+          <p:cNvPr id="18" name="右箭头 17"/>
+          <p:cNvSpPr/>
+          <p:nvPr/>
+        </p:nvSpPr>
+        <p:spPr>
+          <a:xfrm rot="19749580">
+            <a:off x="6620512" y="2478708"/>
+            <a:ext cx="681134" cy="167951"/>
+          </a:xfrm>
+          <a:prstGeom prst="rightArrow">
+            <a:avLst/>
+          </a:prstGeom>
+          <a:noFill/>
+          <a:ln w="28575">
+            <a:solidFill>
+              <a:schemeClr val="tx1"/>
+            </a:solidFill>
+          </a:ln>
+        </p:spPr>
+        <p:style>
+          <a:lnRef idx="2">
+            <a:schemeClr val="accent1">
+              <a:shade val="50000"/>
+            </a:schemeClr>
+          </a:lnRef>
+          <a:fillRef idx="1">
+            <a:schemeClr val="accent1"/>
+          </a:fillRef>
+          <a:effectRef idx="0">
+            <a:schemeClr val="accent1"/>
+          </a:effectRef>
+          <a:fontRef idx="minor">
+            <a:schemeClr val="lt1"/>
+          </a:fontRef>
+        </p:style>
+        <p:txBody>
+          <a:bodyPr rtlCol="0" anchor="ctr"/>
+          <a:lstStyle/>
+          <a:p>
+            <a:pPr algn="ctr"/>
+            <a:endParaRPr lang="en-US"/>
+          </a:p>
+        </p:txBody>
+      </p:sp>
+      <p:sp>
+        <p:nvSpPr>
+          <p:cNvPr id="19" name="右箭头 18"/>
+          <p:cNvSpPr/>
+          <p:nvPr/>
+        </p:nvSpPr>
+        <p:spPr>
+          <a:xfrm rot="1865930">
+            <a:off x="6883125" y="4163173"/>
+            <a:ext cx="681134" cy="167951"/>
+          </a:xfrm>
+          <a:prstGeom prst="rightArrow">
+            <a:avLst/>
+          </a:prstGeom>
+          <a:noFill/>
+          <a:ln w="28575">
+            <a:solidFill>
+              <a:schemeClr val="tx1"/>
+            </a:solidFill>
+          </a:ln>
+        </p:spPr>
+        <p:style>
+          <a:lnRef idx="2">
+            <a:schemeClr val="accent1">
+              <a:shade val="50000"/>
+            </a:schemeClr>
+          </a:lnRef>
+          <a:fillRef idx="1">
+            <a:schemeClr val="accent1"/>
+          </a:fillRef>
+          <a:effectRef idx="0">
+            <a:schemeClr val="accent1"/>
+          </a:effectRef>
+          <a:fontRef idx="minor">
+            <a:schemeClr val="lt1"/>
+          </a:fontRef>
+        </p:style>
+        <p:txBody>
+          <a:bodyPr rtlCol="0" anchor="ctr"/>
+          <a:lstStyle/>
+          <a:p>
+            <a:pPr algn="ctr"/>
+            <a:endParaRPr lang="en-US"/>
+          </a:p>
+        </p:txBody>
+      </p:sp>
+      <p:sp>
+        <p:nvSpPr>
+          <p:cNvPr id="21" name="文本框 20"/>
+          <p:cNvSpPr txBox="1"/>
+          <p:nvPr/>
+        </p:nvSpPr>
+        <p:spPr>
+          <a:xfrm>
+            <a:off x="7451516" y="3039829"/>
+            <a:ext cx="2887009" cy="369332"/>
+          </a:xfrm>
+          <a:prstGeom prst="rect">
+            <a:avLst/>
+          </a:prstGeom>
+          <a:noFill/>
+        </p:spPr>
+        <p:txBody>
+          <a:bodyPr wrap="none" rtlCol="0">
+            <a:spAutoFit/>
+          </a:bodyPr>
+          <a:lstStyle/>
+          <a:p>
+            <a:r>
+              <a:rPr lang="en-US" altLang="zh-CN" dirty="0" smtClean="0"/>
+              <a:t>Electrical</a:t>
+            </a:r>
+            <a:r>
+              <a:rPr lang="zh-CN" altLang="en-US" dirty="0" smtClean="0"/>
+              <a:t> </a:t>
+            </a:r>
+            <a:r>
+              <a:rPr lang="en-US" altLang="zh-CN" dirty="0" smtClean="0"/>
+              <a:t>Conduction</a:t>
+            </a:r>
+            <a:r>
+              <a:rPr lang="zh-CN" altLang="en-US" dirty="0" smtClean="0"/>
+              <a:t> </a:t>
+            </a:r>
+            <a:r>
+              <a:rPr lang="en-US" altLang="zh-CN" dirty="0" smtClean="0"/>
+              <a:t>System</a:t>
+            </a:r>
+            <a:endParaRPr lang="en-US" dirty="0"/>
+          </a:p>
+        </p:txBody>
+      </p:sp>
+      <p:sp>
+        <p:nvSpPr>
+          <p:cNvPr id="22" name="文本框 21"/>
+          <p:cNvSpPr txBox="1"/>
+          <p:nvPr/>
+        </p:nvSpPr>
+        <p:spPr>
+          <a:xfrm>
+            <a:off x="8240717" y="5952930"/>
+            <a:ext cx="1694375" cy="369332"/>
+          </a:xfrm>
+          <a:prstGeom prst="rect">
+            <a:avLst/>
+          </a:prstGeom>
+          <a:noFill/>
+        </p:spPr>
+        <p:txBody>
+          <a:bodyPr wrap="none" rtlCol="0">
+            <a:spAutoFit/>
+          </a:bodyPr>
+          <a:lstStyle/>
+          <a:p>
+            <a:r>
+              <a:rPr lang="en-US" dirty="0" smtClean="0"/>
+              <a:t>Electrical Model</a:t>
+            </a:r>
+            <a:endParaRPr lang="en-US" dirty="0"/>
+          </a:p>
+        </p:txBody>
+      </p:sp>
       <p:pic>
         <p:nvPicPr>
-          <p:cNvPr id="9" name="图片 8"/>
+          <p:cNvPr id="2" name="Picture 1"/>
           <p:cNvPicPr>
             <a:picLocks noChangeAspect="1"/>
           </p:cNvPicPr>
@@ -3123,8 +3448,8 @@
         </p:blipFill>
         <p:spPr>
           <a:xfrm>
-            <a:off x="7296539" y="592747"/>
-            <a:ext cx="3582732" cy="2216554"/>
+            <a:off x="7736781" y="535767"/>
+            <a:ext cx="2316480" cy="2545080"/>
           </a:xfrm>
           <a:prstGeom prst="rect">
             <a:avLst/>
@@ -3133,14 +3458,14 @@
       </p:pic>
       <p:sp>
         <p:nvSpPr>
-          <p:cNvPr id="11" name="文本框 10"/>
+          <p:cNvPr id="3" name="TextBox 2"/>
           <p:cNvSpPr txBox="1"/>
           <p:nvPr/>
         </p:nvSpPr>
         <p:spPr>
           <a:xfrm>
-            <a:off x="1754657" y="2862138"/>
-            <a:ext cx="1766894" cy="369332"/>
+            <a:off x="6805059" y="1070284"/>
+            <a:ext cx="982961" cy="369332"/>
           </a:xfrm>
           <a:prstGeom prst="rect">
             <a:avLst/>
@@ -3154,8 +3479,16 @@
           <a:lstStyle/>
           <a:p>
             <a:r>
-              <a:rPr lang="en-US" dirty="0" smtClean="0"/>
-              <a:t>Structural Model</a:t>
+              <a:rPr lang="en-US" altLang="zh-CN" dirty="0" smtClean="0"/>
+              <a:t>SA</a:t>
+            </a:r>
+            <a:r>
+              <a:rPr lang="zh-CN" altLang="en-US" dirty="0" smtClean="0"/>
+              <a:t> </a:t>
+            </a:r>
+            <a:r>
+              <a:rPr lang="en-US" altLang="zh-CN" dirty="0" smtClean="0"/>
+              <a:t>Node</a:t>
             </a:r>
             <a:endParaRPr lang="en-US" dirty="0"/>
           </a:p>
@@ -3163,14 +3496,14 @@
       </p:sp>
       <p:sp>
         <p:nvSpPr>
-          <p:cNvPr id="15" name="文本框 14"/>
+          <p:cNvPr id="20" name="TextBox 19"/>
           <p:cNvSpPr txBox="1"/>
           <p:nvPr/>
         </p:nvSpPr>
         <p:spPr>
           <a:xfrm>
-            <a:off x="1706839" y="5973954"/>
-            <a:ext cx="1887761" cy="369332"/>
+            <a:off x="6736507" y="1853567"/>
+            <a:ext cx="1000274" cy="369332"/>
           </a:xfrm>
           <a:prstGeom prst="rect">
             <a:avLst/>
@@ -3184,257 +3517,95 @@
           <a:lstStyle/>
           <a:p>
             <a:r>
-              <a:rPr lang="en-US" dirty="0" smtClean="0"/>
-              <a:t>Blood Flow Model</a:t>
+              <a:rPr lang="en-US" altLang="zh-CN" smtClean="0"/>
+              <a:t>AV</a:t>
+            </a:r>
+            <a:r>
+              <a:rPr lang="zh-CN" altLang="en-US" dirty="0" smtClean="0"/>
+              <a:t> </a:t>
+            </a:r>
+            <a:r>
+              <a:rPr lang="en-US" altLang="zh-CN" dirty="0" smtClean="0"/>
+              <a:t>Node</a:t>
             </a:r>
             <a:endParaRPr lang="en-US" dirty="0"/>
           </a:p>
         </p:txBody>
       </p:sp>
-      <p:sp>
-        <p:nvSpPr>
-          <p:cNvPr id="12" name="右箭头 11"/>
-          <p:cNvSpPr/>
+      <p:cxnSp>
+        <p:nvCxnSpPr>
+          <p:cNvPr id="6" name="Straight Arrow Connector 5"/>
+          <p:cNvCxnSpPr>
+            <a:stCxn id="3" idx="2"/>
+          </p:cNvCxnSpPr>
           <p:nvPr/>
-        </p:nvSpPr>
+        </p:nvCxnSpPr>
         <p:spPr>
-          <a:xfrm rot="12820924">
-            <a:off x="3497390" y="2457173"/>
-            <a:ext cx="681134" cy="167951"/>
-          </a:xfrm>
-          <a:prstGeom prst="rightArrow">
+          <a:xfrm>
+            <a:off x="7296540" y="1439616"/>
+            <a:ext cx="887025" cy="302115"/>
+          </a:xfrm>
+          <a:prstGeom prst="straightConnector1">
             <a:avLst/>
           </a:prstGeom>
-          <a:noFill/>
-          <a:ln w="28575">
+          <a:ln w="57150">
             <a:solidFill>
               <a:schemeClr val="tx1"/>
             </a:solidFill>
+            <a:tailEnd type="triangle"/>
           </a:ln>
         </p:spPr>
         <p:style>
-          <a:lnRef idx="2">
-            <a:schemeClr val="accent1">
-              <a:shade val="50000"/>
-            </a:schemeClr>
+          <a:lnRef idx="1">
+            <a:schemeClr val="accent1"/>
           </a:lnRef>
-          <a:fillRef idx="1">
+          <a:fillRef idx="0">
             <a:schemeClr val="accent1"/>
           </a:fillRef>
           <a:effectRef idx="0">
             <a:schemeClr val="accent1"/>
           </a:effectRef>
           <a:fontRef idx="minor">
-            <a:schemeClr val="lt1"/>
+            <a:schemeClr val="tx1"/>
           </a:fontRef>
         </p:style>
-        <p:txBody>
-          <a:bodyPr rtlCol="0" anchor="ctr"/>
-          <a:lstStyle/>
-          <a:p>
-            <a:pPr algn="ctr"/>
-            <a:endParaRPr lang="en-US"/>
-          </a:p>
-        </p:txBody>
-      </p:sp>
-      <p:sp>
-        <p:nvSpPr>
-          <p:cNvPr id="17" name="右箭头 16"/>
-          <p:cNvSpPr/>
+      </p:cxnSp>
+      <p:cxnSp>
+        <p:nvCxnSpPr>
+          <p:cNvPr id="23" name="Straight Arrow Connector 22"/>
+          <p:cNvCxnSpPr/>
           <p:nvPr/>
-        </p:nvSpPr>
+        </p:nvCxnSpPr>
         <p:spPr>
-          <a:xfrm rot="8296692">
-            <a:off x="3551189" y="3915358"/>
-            <a:ext cx="681134" cy="167951"/>
-          </a:xfrm>
-          <a:prstGeom prst="rightArrow">
+          <a:xfrm>
+            <a:off x="7622426" y="2131339"/>
+            <a:ext cx="700605" cy="91560"/>
+          </a:xfrm>
+          <a:prstGeom prst="straightConnector1">
             <a:avLst/>
           </a:prstGeom>
-          <a:noFill/>
-          <a:ln w="28575">
+          <a:ln w="57150">
             <a:solidFill>
               <a:schemeClr val="tx1"/>
             </a:solidFill>
+            <a:tailEnd type="triangle"/>
           </a:ln>
         </p:spPr>
         <p:style>
-          <a:lnRef idx="2">
-            <a:schemeClr val="accent1">
-              <a:shade val="50000"/>
-            </a:schemeClr>
+          <a:lnRef idx="1">
+            <a:schemeClr val="accent1"/>
           </a:lnRef>
-          <a:fillRef idx="1">
+          <a:fillRef idx="0">
             <a:schemeClr val="accent1"/>
           </a:fillRef>
           <a:effectRef idx="0">
             <a:schemeClr val="accent1"/>
           </a:effectRef>
           <a:fontRef idx="minor">
-            <a:schemeClr val="lt1"/>
+            <a:schemeClr val="tx1"/>
           </a:fontRef>
         </p:style>
-        <p:txBody>
-          <a:bodyPr rtlCol="0" anchor="ctr"/>
-          <a:lstStyle/>
-          <a:p>
-            <a:pPr algn="ctr"/>
-            <a:endParaRPr lang="en-US"/>
-          </a:p>
-        </p:txBody>
-      </p:sp>
-      <p:sp>
-        <p:nvSpPr>
-          <p:cNvPr id="18" name="右箭头 17"/>
-          <p:cNvSpPr/>
-          <p:nvPr/>
-        </p:nvSpPr>
-        <p:spPr>
-          <a:xfrm rot="19749580">
-            <a:off x="6620512" y="2478708"/>
-            <a:ext cx="681134" cy="167951"/>
-          </a:xfrm>
-          <a:prstGeom prst="rightArrow">
-            <a:avLst/>
-          </a:prstGeom>
-          <a:noFill/>
-          <a:ln w="28575">
-            <a:solidFill>
-              <a:schemeClr val="tx1"/>
-            </a:solidFill>
-          </a:ln>
-        </p:spPr>
-        <p:style>
-          <a:lnRef idx="2">
-            <a:schemeClr val="accent1">
-              <a:shade val="50000"/>
-            </a:schemeClr>
-          </a:lnRef>
-          <a:fillRef idx="1">
-            <a:schemeClr val="accent1"/>
-          </a:fillRef>
-          <a:effectRef idx="0">
-            <a:schemeClr val="accent1"/>
-          </a:effectRef>
-          <a:fontRef idx="minor">
-            <a:schemeClr val="lt1"/>
-          </a:fontRef>
-        </p:style>
-        <p:txBody>
-          <a:bodyPr rtlCol="0" anchor="ctr"/>
-          <a:lstStyle/>
-          <a:p>
-            <a:pPr algn="ctr"/>
-            <a:endParaRPr lang="en-US"/>
-          </a:p>
-        </p:txBody>
-      </p:sp>
-      <p:sp>
-        <p:nvSpPr>
-          <p:cNvPr id="19" name="右箭头 18"/>
-          <p:cNvSpPr/>
-          <p:nvPr/>
-        </p:nvSpPr>
-        <p:spPr>
-          <a:xfrm rot="1865930">
-            <a:off x="6883125" y="4163173"/>
-            <a:ext cx="681134" cy="167951"/>
-          </a:xfrm>
-          <a:prstGeom prst="rightArrow">
-            <a:avLst/>
-          </a:prstGeom>
-          <a:noFill/>
-          <a:ln w="28575">
-            <a:solidFill>
-              <a:schemeClr val="tx1"/>
-            </a:solidFill>
-          </a:ln>
-        </p:spPr>
-        <p:style>
-          <a:lnRef idx="2">
-            <a:schemeClr val="accent1">
-              <a:shade val="50000"/>
-            </a:schemeClr>
-          </a:lnRef>
-          <a:fillRef idx="1">
-            <a:schemeClr val="accent1"/>
-          </a:fillRef>
-          <a:effectRef idx="0">
-            <a:schemeClr val="accent1"/>
-          </a:effectRef>
-          <a:fontRef idx="minor">
-            <a:schemeClr val="lt1"/>
-          </a:fontRef>
-        </p:style>
-        <p:txBody>
-          <a:bodyPr rtlCol="0" anchor="ctr"/>
-          <a:lstStyle/>
-          <a:p>
-            <a:pPr algn="ctr"/>
-            <a:endParaRPr lang="en-US"/>
-          </a:p>
-        </p:txBody>
-      </p:sp>
-      <p:sp>
-        <p:nvSpPr>
-          <p:cNvPr id="21" name="文本框 20"/>
-          <p:cNvSpPr txBox="1"/>
-          <p:nvPr/>
-        </p:nvSpPr>
-        <p:spPr>
-          <a:xfrm>
-            <a:off x="8388553" y="2725323"/>
-            <a:ext cx="1556836" cy="369332"/>
-          </a:xfrm>
-          <a:prstGeom prst="rect">
-            <a:avLst/>
-          </a:prstGeom>
-          <a:noFill/>
-        </p:spPr>
-        <p:txBody>
-          <a:bodyPr wrap="none" rtlCol="0">
-            <a:spAutoFit/>
-          </a:bodyPr>
-          <a:lstStyle/>
-          <a:p>
-            <a:r>
-              <a:rPr lang="en-US" dirty="0" smtClean="0"/>
-              <a:t>Cellular Model</a:t>
-            </a:r>
-            <a:endParaRPr lang="en-US" dirty="0"/>
-          </a:p>
-        </p:txBody>
-      </p:sp>
-      <p:sp>
-        <p:nvSpPr>
-          <p:cNvPr id="22" name="文本框 21"/>
-          <p:cNvSpPr txBox="1"/>
-          <p:nvPr/>
-        </p:nvSpPr>
-        <p:spPr>
-          <a:xfrm>
-            <a:off x="8240717" y="5952930"/>
-            <a:ext cx="1694375" cy="369332"/>
-          </a:xfrm>
-          <a:prstGeom prst="rect">
-            <a:avLst/>
-          </a:prstGeom>
-          <a:noFill/>
-        </p:spPr>
-        <p:txBody>
-          <a:bodyPr wrap="none" rtlCol="0">
-            <a:spAutoFit/>
-          </a:bodyPr>
-          <a:lstStyle/>
-          <a:p>
-            <a:r>
-              <a:rPr lang="en-US" dirty="0" smtClean="0"/>
-              <a:t>Electrical Model</a:t>
-            </a:r>
-            <a:endParaRPr lang="en-US" dirty="0"/>
-          </a:p>
-        </p:txBody>
-      </p:sp>
+      </p:cxnSp>
     </p:spTree>
     <p:extLst>
       <p:ext uri="{BB962C8B-B14F-4D97-AF65-F5344CB8AC3E}">

--- a/figs/models.pptx
+++ b/figs/models.pptx
@@ -243,7 +243,7 @@
           <a:p>
             <a:fld id="{FB7EAFAB-9B03-4AE3-98E8-E3FE8F90ED90}" type="datetimeFigureOut">
               <a:rPr lang="en-US" smtClean="0"/>
-              <a:t>8/1/15</a:t>
+              <a:t>8/2/15</a:t>
             </a:fld>
             <a:endParaRPr lang="en-US"/>
           </a:p>
@@ -413,7 +413,7 @@
           <a:p>
             <a:fld id="{FB7EAFAB-9B03-4AE3-98E8-E3FE8F90ED90}" type="datetimeFigureOut">
               <a:rPr lang="en-US" smtClean="0"/>
-              <a:t>8/1/15</a:t>
+              <a:t>8/2/15</a:t>
             </a:fld>
             <a:endParaRPr lang="en-US"/>
           </a:p>
@@ -593,7 +593,7 @@
           <a:p>
             <a:fld id="{FB7EAFAB-9B03-4AE3-98E8-E3FE8F90ED90}" type="datetimeFigureOut">
               <a:rPr lang="en-US" smtClean="0"/>
-              <a:t>8/1/15</a:t>
+              <a:t>8/2/15</a:t>
             </a:fld>
             <a:endParaRPr lang="en-US"/>
           </a:p>
@@ -763,7 +763,7 @@
           <a:p>
             <a:fld id="{FB7EAFAB-9B03-4AE3-98E8-E3FE8F90ED90}" type="datetimeFigureOut">
               <a:rPr lang="en-US" smtClean="0"/>
-              <a:t>8/1/15</a:t>
+              <a:t>8/2/15</a:t>
             </a:fld>
             <a:endParaRPr lang="en-US"/>
           </a:p>
@@ -1009,7 +1009,7 @@
           <a:p>
             <a:fld id="{FB7EAFAB-9B03-4AE3-98E8-E3FE8F90ED90}" type="datetimeFigureOut">
               <a:rPr lang="en-US" smtClean="0"/>
-              <a:t>8/1/15</a:t>
+              <a:t>8/2/15</a:t>
             </a:fld>
             <a:endParaRPr lang="en-US"/>
           </a:p>
@@ -1241,7 +1241,7 @@
           <a:p>
             <a:fld id="{FB7EAFAB-9B03-4AE3-98E8-E3FE8F90ED90}" type="datetimeFigureOut">
               <a:rPr lang="en-US" smtClean="0"/>
-              <a:t>8/1/15</a:t>
+              <a:t>8/2/15</a:t>
             </a:fld>
             <a:endParaRPr lang="en-US"/>
           </a:p>
@@ -1608,7 +1608,7 @@
           <a:p>
             <a:fld id="{FB7EAFAB-9B03-4AE3-98E8-E3FE8F90ED90}" type="datetimeFigureOut">
               <a:rPr lang="en-US" smtClean="0"/>
-              <a:t>8/1/15</a:t>
+              <a:t>8/2/15</a:t>
             </a:fld>
             <a:endParaRPr lang="en-US"/>
           </a:p>
@@ -1726,7 +1726,7 @@
           <a:p>
             <a:fld id="{FB7EAFAB-9B03-4AE3-98E8-E3FE8F90ED90}" type="datetimeFigureOut">
               <a:rPr lang="en-US" smtClean="0"/>
-              <a:t>8/1/15</a:t>
+              <a:t>8/2/15</a:t>
             </a:fld>
             <a:endParaRPr lang="en-US"/>
           </a:p>
@@ -1821,7 +1821,7 @@
           <a:p>
             <a:fld id="{FB7EAFAB-9B03-4AE3-98E8-E3FE8F90ED90}" type="datetimeFigureOut">
               <a:rPr lang="en-US" smtClean="0"/>
-              <a:t>8/1/15</a:t>
+              <a:t>8/2/15</a:t>
             </a:fld>
             <a:endParaRPr lang="en-US"/>
           </a:p>
@@ -2098,7 +2098,7 @@
           <a:p>
             <a:fld id="{FB7EAFAB-9B03-4AE3-98E8-E3FE8F90ED90}" type="datetimeFigureOut">
               <a:rPr lang="en-US" smtClean="0"/>
-              <a:t>8/1/15</a:t>
+              <a:t>8/2/15</a:t>
             </a:fld>
             <a:endParaRPr lang="en-US"/>
           </a:p>
@@ -2351,7 +2351,7 @@
           <a:p>
             <a:fld id="{FB7EAFAB-9B03-4AE3-98E8-E3FE8F90ED90}" type="datetimeFigureOut">
               <a:rPr lang="en-US" smtClean="0"/>
-              <a:t>8/1/15</a:t>
+              <a:t>8/2/15</a:t>
             </a:fld>
             <a:endParaRPr lang="en-US"/>
           </a:p>
@@ -2564,7 +2564,7 @@
           <a:p>
             <a:fld id="{FB7EAFAB-9B03-4AE3-98E8-E3FE8F90ED90}" type="datetimeFigureOut">
               <a:rPr lang="en-US" smtClean="0"/>
-              <a:t>8/1/15</a:t>
+              <a:t>8/2/15</a:t>
             </a:fld>
             <a:endParaRPr lang="en-US"/>
           </a:p>
@@ -2971,27 +2971,46 @@
       </p:grpSpPr>
       <p:pic>
         <p:nvPicPr>
-          <p:cNvPr id="7" name="图片 6"/>
+          <p:cNvPr id="8" name="Picture 7"/>
           <p:cNvPicPr>
             <a:picLocks noChangeAspect="1"/>
           </p:cNvPicPr>
           <p:nvPr/>
         </p:nvPicPr>
-        <p:blipFill rotWithShape="1">
-          <a:blip r:embed="rId2">
-            <a:extLst>
-              <a:ext uri="{28A0092B-C50C-407E-A947-70E740481C1C}">
-                <a14:useLocalDpi xmlns:a14="http://schemas.microsoft.com/office/drawing/2010/main" val="0"/>
-              </a:ext>
-            </a:extLst>
-          </a:blip>
-          <a:srcRect b="7185"/>
-          <a:stretch/>
+        <p:blipFill>
+          <a:blip r:embed="rId2"/>
+          <a:stretch>
+            <a:fillRect/>
+          </a:stretch>
         </p:blipFill>
         <p:spPr>
           <a:xfrm>
-            <a:off x="3581674" y="494749"/>
-            <a:ext cx="4366638" cy="5906052"/>
+            <a:off x="7240360" y="3580552"/>
+            <a:ext cx="2441803" cy="2363035"/>
+          </a:xfrm>
+          <a:prstGeom prst="rect">
+            <a:avLst/>
+          </a:prstGeom>
+        </p:spPr>
+      </p:pic>
+      <p:pic>
+        <p:nvPicPr>
+          <p:cNvPr id="5" name="Picture 4"/>
+          <p:cNvPicPr>
+            <a:picLocks noChangeAspect="1"/>
+          </p:cNvPicPr>
+          <p:nvPr/>
+        </p:nvPicPr>
+        <p:blipFill>
+          <a:blip r:embed="rId3"/>
+          <a:stretch>
+            <a:fillRect/>
+          </a:stretch>
+        </p:blipFill>
+        <p:spPr>
+          <a:xfrm>
+            <a:off x="3850506" y="1430727"/>
+            <a:ext cx="3175000" cy="3771900"/>
           </a:xfrm>
           <a:prstGeom prst="rect">
             <a:avLst/>
@@ -3007,7 +3026,7 @@
           <p:nvPr/>
         </p:nvPicPr>
         <p:blipFill>
-          <a:blip r:embed="rId3">
+          <a:blip r:embed="rId4">
             <a:extLst>
               <a:ext uri="{28A0092B-C50C-407E-A947-70E740481C1C}">
                 <a14:useLocalDpi xmlns:a14="http://schemas.microsoft.com/office/drawing/2010/main" val="0"/>
@@ -3020,7 +3039,7 @@
         </p:blipFill>
         <p:spPr>
           <a:xfrm>
-            <a:off x="8052207" y="3588785"/>
+            <a:off x="7552135" y="602683"/>
             <a:ext cx="1828800" cy="2171700"/>
           </a:xfrm>
           <a:prstGeom prst="rect">
@@ -3037,7 +3056,7 @@
           <p:nvPr/>
         </p:nvPicPr>
         <p:blipFill rotWithShape="1">
-          <a:blip r:embed="rId4" cstate="print">
+          <a:blip r:embed="rId5" cstate="print">
             <a:extLst>
               <a:ext uri="{28A0092B-C50C-407E-A947-70E740481C1C}">
                 <a14:useLocalDpi xmlns:a14="http://schemas.microsoft.com/office/drawing/2010/main" val="0"/>
@@ -3076,7 +3095,7 @@
           <p:nvPr/>
         </p:nvPicPr>
         <p:blipFill rotWithShape="1">
-          <a:blip r:embed="rId5">
+          <a:blip r:embed="rId6">
             <a:extLst>
               <a:ext uri="{28A0092B-C50C-407E-A947-70E740481C1C}">
                 <a14:useLocalDpi xmlns:a14="http://schemas.microsoft.com/office/drawing/2010/main" val="0"/>
@@ -3115,7 +3134,7 @@
         <p:spPr>
           <a:xfrm>
             <a:off x="1754657" y="2862138"/>
-            <a:ext cx="1766894" cy="369332"/>
+            <a:ext cx="1798826" cy="369332"/>
           </a:xfrm>
           <a:prstGeom prst="rect">
             <a:avLst/>
@@ -3129,10 +3148,10 @@
           <a:lstStyle/>
           <a:p>
             <a:r>
-              <a:rPr lang="en-US" dirty="0" smtClean="0"/>
+              <a:rPr lang="en-US" b="1" dirty="0" smtClean="0"/>
               <a:t>Structural Model</a:t>
             </a:r>
-            <a:endParaRPr lang="en-US" dirty="0"/>
+            <a:endParaRPr lang="en-US" b="1" dirty="0"/>
           </a:p>
         </p:txBody>
       </p:sp>
@@ -3145,7 +3164,7 @@
         <p:spPr>
           <a:xfrm>
             <a:off x="1706839" y="5973954"/>
-            <a:ext cx="1887761" cy="369332"/>
+            <a:ext cx="1923668" cy="369332"/>
           </a:xfrm>
           <a:prstGeom prst="rect">
             <a:avLst/>
@@ -3159,10 +3178,10 @@
           <a:lstStyle/>
           <a:p>
             <a:r>
-              <a:rPr lang="en-US" dirty="0" smtClean="0"/>
+              <a:rPr lang="en-US" b="1" dirty="0" smtClean="0"/>
               <a:t>Blood Flow Model</a:t>
             </a:r>
-            <a:endParaRPr lang="en-US" dirty="0"/>
+            <a:endParaRPr lang="en-US" b="1" dirty="0"/>
           </a:p>
         </p:txBody>
       </p:sp>
@@ -3260,13 +3279,13 @@
       </p:sp>
       <p:sp>
         <p:nvSpPr>
-          <p:cNvPr id="18" name="右箭头 17"/>
+          <p:cNvPr id="19" name="右箭头 18"/>
           <p:cNvSpPr/>
           <p:nvPr/>
         </p:nvSpPr>
         <p:spPr>
-          <a:xfrm rot="19749580">
-            <a:off x="6620512" y="2478708"/>
+          <a:xfrm rot="1865930">
+            <a:off x="6625943" y="4020294"/>
             <a:ext cx="681134" cy="167951"/>
           </a:xfrm>
           <a:prstGeom prst="rightArrow">
@@ -3306,13 +3325,51 @@
       </p:sp>
       <p:sp>
         <p:nvSpPr>
-          <p:cNvPr id="19" name="右箭头 18"/>
+          <p:cNvPr id="22" name="文本框 21"/>
+          <p:cNvSpPr txBox="1"/>
+          <p:nvPr/>
+        </p:nvSpPr>
+        <p:spPr>
+          <a:xfrm>
+            <a:off x="7196956" y="2895611"/>
+            <a:ext cx="2539157" cy="369332"/>
+          </a:xfrm>
+          <a:prstGeom prst="rect">
+            <a:avLst/>
+          </a:prstGeom>
+          <a:noFill/>
+        </p:spPr>
+        <p:txBody>
+          <a:bodyPr wrap="none" rtlCol="0">
+            <a:spAutoFit/>
+          </a:bodyPr>
+          <a:lstStyle/>
+          <a:p>
+            <a:r>
+              <a:rPr lang="en-US" altLang="zh-CN" b="1" dirty="0" smtClean="0"/>
+              <a:t>Electrophysiology</a:t>
+            </a:r>
+            <a:r>
+              <a:rPr lang="zh-CN" altLang="en-US" b="1" dirty="0" smtClean="0"/>
+              <a:t> </a:t>
+            </a:r>
+            <a:r>
+              <a:rPr lang="en-US" b="1" dirty="0" smtClean="0"/>
+              <a:t>Model</a:t>
+            </a:r>
+            <a:endParaRPr lang="en-US" b="1" dirty="0"/>
+          </a:p>
+        </p:txBody>
+      </p:sp>
+      <p:sp>
+        <p:nvSpPr>
+          <p:cNvPr id="24" name="右箭头 18"/>
           <p:cNvSpPr/>
           <p:nvPr/>
         </p:nvSpPr>
         <p:spPr>
-          <a:xfrm rot="1865930">
-            <a:off x="6883125" y="4163173"/>
+          <a:xfrm rot="19244969">
+            <a:off x="6600250" y="2430791"/>
             <a:ext cx="681134" cy="167951"/>
           </a:xfrm>
           <a:prstGeom prst="rightArrow">
@@ -3352,14 +3409,14 @@
       </p:sp>
       <p:sp>
         <p:nvSpPr>
-          <p:cNvPr id="21" name="文本框 20"/>
+          <p:cNvPr id="25" name="文本框 21"/>
           <p:cNvSpPr txBox="1"/>
           <p:nvPr/>
         </p:nvSpPr>
         <p:spPr>
           <a:xfrm>
-            <a:off x="7451516" y="3039829"/>
-            <a:ext cx="2887009" cy="369332"/>
+            <a:off x="7011218" y="5789288"/>
+            <a:ext cx="2671822" cy="369332"/>
           </a:xfrm>
           <a:prstGeom prst="rect">
             <a:avLst/>
@@ -3373,239 +3430,21 @@
           <a:lstStyle/>
           <a:p>
             <a:r>
-              <a:rPr lang="en-US" altLang="zh-CN" dirty="0" smtClean="0"/>
-              <a:t>Electrical</a:t>
-            </a:r>
-            <a:r>
-              <a:rPr lang="zh-CN" altLang="en-US" dirty="0" smtClean="0"/>
+              <a:rPr lang="en-US" altLang="zh-CN" b="1" smtClean="0"/>
+              <a:t>Electro-mechanical</a:t>
+            </a:r>
+            <a:r>
+              <a:rPr lang="zh-CN" altLang="en-US" b="1" dirty="0" smtClean="0"/>
               <a:t> </a:t>
             </a:r>
             <a:r>
-              <a:rPr lang="en-US" altLang="zh-CN" dirty="0" smtClean="0"/>
-              <a:t>Conduction</a:t>
-            </a:r>
-            <a:r>
-              <a:rPr lang="zh-CN" altLang="en-US" dirty="0" smtClean="0"/>
-              <a:t> </a:t>
-            </a:r>
-            <a:r>
-              <a:rPr lang="en-US" altLang="zh-CN" dirty="0" smtClean="0"/>
-              <a:t>System</a:t>
-            </a:r>
-            <a:endParaRPr lang="en-US" dirty="0"/>
-          </a:p>
-        </p:txBody>
-      </p:sp>
-      <p:sp>
-        <p:nvSpPr>
-          <p:cNvPr id="22" name="文本框 21"/>
-          <p:cNvSpPr txBox="1"/>
-          <p:nvPr/>
-        </p:nvSpPr>
-        <p:spPr>
-          <a:xfrm>
-            <a:off x="8240717" y="5952930"/>
-            <a:ext cx="1694375" cy="369332"/>
-          </a:xfrm>
-          <a:prstGeom prst="rect">
-            <a:avLst/>
-          </a:prstGeom>
-          <a:noFill/>
-        </p:spPr>
-        <p:txBody>
-          <a:bodyPr wrap="none" rtlCol="0">
-            <a:spAutoFit/>
-          </a:bodyPr>
-          <a:lstStyle/>
-          <a:p>
-            <a:r>
-              <a:rPr lang="en-US" dirty="0" smtClean="0"/>
-              <a:t>Electrical Model</a:t>
-            </a:r>
-            <a:endParaRPr lang="en-US" dirty="0"/>
-          </a:p>
-        </p:txBody>
-      </p:sp>
-      <p:pic>
-        <p:nvPicPr>
-          <p:cNvPr id="2" name="Picture 1"/>
-          <p:cNvPicPr>
-            <a:picLocks noChangeAspect="1"/>
-          </p:cNvPicPr>
-          <p:nvPr/>
-        </p:nvPicPr>
-        <p:blipFill>
-          <a:blip r:embed="rId6">
-            <a:extLst>
-              <a:ext uri="{28A0092B-C50C-407E-A947-70E740481C1C}">
-                <a14:useLocalDpi xmlns:a14="http://schemas.microsoft.com/office/drawing/2010/main" val="0"/>
-              </a:ext>
-            </a:extLst>
-          </a:blip>
-          <a:stretch>
-            <a:fillRect/>
-          </a:stretch>
-        </p:blipFill>
-        <p:spPr>
-          <a:xfrm>
-            <a:off x="7736781" y="535767"/>
-            <a:ext cx="2316480" cy="2545080"/>
-          </a:xfrm>
-          <a:prstGeom prst="rect">
-            <a:avLst/>
-          </a:prstGeom>
-        </p:spPr>
-      </p:pic>
-      <p:sp>
-        <p:nvSpPr>
-          <p:cNvPr id="3" name="TextBox 2"/>
-          <p:cNvSpPr txBox="1"/>
-          <p:nvPr/>
-        </p:nvSpPr>
-        <p:spPr>
-          <a:xfrm>
-            <a:off x="6805059" y="1070284"/>
-            <a:ext cx="982961" cy="369332"/>
-          </a:xfrm>
-          <a:prstGeom prst="rect">
-            <a:avLst/>
-          </a:prstGeom>
-          <a:noFill/>
-        </p:spPr>
-        <p:txBody>
-          <a:bodyPr wrap="none" rtlCol="0">
-            <a:spAutoFit/>
-          </a:bodyPr>
-          <a:lstStyle/>
-          <a:p>
-            <a:r>
-              <a:rPr lang="en-US" altLang="zh-CN" dirty="0" smtClean="0"/>
-              <a:t>SA</a:t>
-            </a:r>
-            <a:r>
-              <a:rPr lang="zh-CN" altLang="en-US" dirty="0" smtClean="0"/>
-              <a:t> </a:t>
-            </a:r>
-            <a:r>
-              <a:rPr lang="en-US" altLang="zh-CN" dirty="0" smtClean="0"/>
-              <a:t>Node</a:t>
-            </a:r>
-            <a:endParaRPr lang="en-US" dirty="0"/>
-          </a:p>
-        </p:txBody>
-      </p:sp>
-      <p:sp>
-        <p:nvSpPr>
-          <p:cNvPr id="20" name="TextBox 19"/>
-          <p:cNvSpPr txBox="1"/>
-          <p:nvPr/>
-        </p:nvSpPr>
-        <p:spPr>
-          <a:xfrm>
-            <a:off x="6736507" y="1853567"/>
-            <a:ext cx="1000274" cy="369332"/>
-          </a:xfrm>
-          <a:prstGeom prst="rect">
-            <a:avLst/>
-          </a:prstGeom>
-          <a:noFill/>
-        </p:spPr>
-        <p:txBody>
-          <a:bodyPr wrap="none" rtlCol="0">
-            <a:spAutoFit/>
-          </a:bodyPr>
-          <a:lstStyle/>
-          <a:p>
-            <a:r>
-              <a:rPr lang="en-US" altLang="zh-CN" smtClean="0"/>
-              <a:t>AV</a:t>
-            </a:r>
-            <a:r>
-              <a:rPr lang="zh-CN" altLang="en-US" dirty="0" smtClean="0"/>
-              <a:t> </a:t>
-            </a:r>
-            <a:r>
-              <a:rPr lang="en-US" altLang="zh-CN" dirty="0" smtClean="0"/>
-              <a:t>Node</a:t>
-            </a:r>
-            <a:endParaRPr lang="en-US" dirty="0"/>
-          </a:p>
-        </p:txBody>
-      </p:sp>
-      <p:cxnSp>
-        <p:nvCxnSpPr>
-          <p:cNvPr id="6" name="Straight Arrow Connector 5"/>
-          <p:cNvCxnSpPr>
-            <a:stCxn id="3" idx="2"/>
-          </p:cNvCxnSpPr>
-          <p:nvPr/>
-        </p:nvCxnSpPr>
-        <p:spPr>
-          <a:xfrm>
-            <a:off x="7296540" y="1439616"/>
-            <a:ext cx="887025" cy="302115"/>
-          </a:xfrm>
-          <a:prstGeom prst="straightConnector1">
-            <a:avLst/>
-          </a:prstGeom>
-          <a:ln w="57150">
-            <a:solidFill>
-              <a:schemeClr val="tx1"/>
-            </a:solidFill>
-            <a:tailEnd type="triangle"/>
-          </a:ln>
-        </p:spPr>
-        <p:style>
-          <a:lnRef idx="1">
-            <a:schemeClr val="accent1"/>
-          </a:lnRef>
-          <a:fillRef idx="0">
-            <a:schemeClr val="accent1"/>
-          </a:fillRef>
-          <a:effectRef idx="0">
-            <a:schemeClr val="accent1"/>
-          </a:effectRef>
-          <a:fontRef idx="minor">
-            <a:schemeClr val="tx1"/>
-          </a:fontRef>
-        </p:style>
-      </p:cxnSp>
-      <p:cxnSp>
-        <p:nvCxnSpPr>
-          <p:cNvPr id="23" name="Straight Arrow Connector 22"/>
-          <p:cNvCxnSpPr/>
-          <p:nvPr/>
-        </p:nvCxnSpPr>
-        <p:spPr>
-          <a:xfrm>
-            <a:off x="7622426" y="2131339"/>
-            <a:ext cx="700605" cy="91560"/>
-          </a:xfrm>
-          <a:prstGeom prst="straightConnector1">
-            <a:avLst/>
-          </a:prstGeom>
-          <a:ln w="57150">
-            <a:solidFill>
-              <a:schemeClr val="tx1"/>
-            </a:solidFill>
-            <a:tailEnd type="triangle"/>
-          </a:ln>
-        </p:spPr>
-        <p:style>
-          <a:lnRef idx="1">
-            <a:schemeClr val="accent1"/>
-          </a:lnRef>
-          <a:fillRef idx="0">
-            <a:schemeClr val="accent1"/>
-          </a:fillRef>
-          <a:effectRef idx="0">
-            <a:schemeClr val="accent1"/>
-          </a:effectRef>
-          <a:fontRef idx="minor">
-            <a:schemeClr val="tx1"/>
-          </a:fontRef>
-        </p:style>
-      </p:cxnSp>
+              <a:rPr lang="en-US" b="1" dirty="0" smtClean="0"/>
+              <a:t>Model</a:t>
+            </a:r>
+            <a:endParaRPr lang="en-US" b="1" dirty="0"/>
+          </a:p>
+        </p:txBody>
+      </p:sp>
     </p:spTree>
     <p:extLst>
       <p:ext uri="{BB962C8B-B14F-4D97-AF65-F5344CB8AC3E}">

--- a/figs/models.pptx
+++ b/figs/models.pptx
@@ -243,7 +243,7 @@
           <a:p>
             <a:fld id="{FB7EAFAB-9B03-4AE3-98E8-E3FE8F90ED90}" type="datetimeFigureOut">
               <a:rPr lang="en-US" smtClean="0"/>
-              <a:t>8/2/15</a:t>
+              <a:t>8/3/2015</a:t>
             </a:fld>
             <a:endParaRPr lang="en-US"/>
           </a:p>
@@ -413,7 +413,7 @@
           <a:p>
             <a:fld id="{FB7EAFAB-9B03-4AE3-98E8-E3FE8F90ED90}" type="datetimeFigureOut">
               <a:rPr lang="en-US" smtClean="0"/>
-              <a:t>8/2/15</a:t>
+              <a:t>8/3/2015</a:t>
             </a:fld>
             <a:endParaRPr lang="en-US"/>
           </a:p>
@@ -593,7 +593,7 @@
           <a:p>
             <a:fld id="{FB7EAFAB-9B03-4AE3-98E8-E3FE8F90ED90}" type="datetimeFigureOut">
               <a:rPr lang="en-US" smtClean="0"/>
-              <a:t>8/2/15</a:t>
+              <a:t>8/3/2015</a:t>
             </a:fld>
             <a:endParaRPr lang="en-US"/>
           </a:p>
@@ -763,7 +763,7 @@
           <a:p>
             <a:fld id="{FB7EAFAB-9B03-4AE3-98E8-E3FE8F90ED90}" type="datetimeFigureOut">
               <a:rPr lang="en-US" smtClean="0"/>
-              <a:t>8/2/15</a:t>
+              <a:t>8/3/2015</a:t>
             </a:fld>
             <a:endParaRPr lang="en-US"/>
           </a:p>
@@ -1009,7 +1009,7 @@
           <a:p>
             <a:fld id="{FB7EAFAB-9B03-4AE3-98E8-E3FE8F90ED90}" type="datetimeFigureOut">
               <a:rPr lang="en-US" smtClean="0"/>
-              <a:t>8/2/15</a:t>
+              <a:t>8/3/2015</a:t>
             </a:fld>
             <a:endParaRPr lang="en-US"/>
           </a:p>
@@ -1241,7 +1241,7 @@
           <a:p>
             <a:fld id="{FB7EAFAB-9B03-4AE3-98E8-E3FE8F90ED90}" type="datetimeFigureOut">
               <a:rPr lang="en-US" smtClean="0"/>
-              <a:t>8/2/15</a:t>
+              <a:t>8/3/2015</a:t>
             </a:fld>
             <a:endParaRPr lang="en-US"/>
           </a:p>
@@ -1608,7 +1608,7 @@
           <a:p>
             <a:fld id="{FB7EAFAB-9B03-4AE3-98E8-E3FE8F90ED90}" type="datetimeFigureOut">
               <a:rPr lang="en-US" smtClean="0"/>
-              <a:t>8/2/15</a:t>
+              <a:t>8/3/2015</a:t>
             </a:fld>
             <a:endParaRPr lang="en-US"/>
           </a:p>
@@ -1726,7 +1726,7 @@
           <a:p>
             <a:fld id="{FB7EAFAB-9B03-4AE3-98E8-E3FE8F90ED90}" type="datetimeFigureOut">
               <a:rPr lang="en-US" smtClean="0"/>
-              <a:t>8/2/15</a:t>
+              <a:t>8/3/2015</a:t>
             </a:fld>
             <a:endParaRPr lang="en-US"/>
           </a:p>
@@ -1821,7 +1821,7 @@
           <a:p>
             <a:fld id="{FB7EAFAB-9B03-4AE3-98E8-E3FE8F90ED90}" type="datetimeFigureOut">
               <a:rPr lang="en-US" smtClean="0"/>
-              <a:t>8/2/15</a:t>
+              <a:t>8/3/2015</a:t>
             </a:fld>
             <a:endParaRPr lang="en-US"/>
           </a:p>
@@ -2098,7 +2098,7 @@
           <a:p>
             <a:fld id="{FB7EAFAB-9B03-4AE3-98E8-E3FE8F90ED90}" type="datetimeFigureOut">
               <a:rPr lang="en-US" smtClean="0"/>
-              <a:t>8/2/15</a:t>
+              <a:t>8/3/2015</a:t>
             </a:fld>
             <a:endParaRPr lang="en-US"/>
           </a:p>
@@ -2351,7 +2351,7 @@
           <a:p>
             <a:fld id="{FB7EAFAB-9B03-4AE3-98E8-E3FE8F90ED90}" type="datetimeFigureOut">
               <a:rPr lang="en-US" smtClean="0"/>
-              <a:t>8/2/15</a:t>
+              <a:t>8/3/2015</a:t>
             </a:fld>
             <a:endParaRPr lang="en-US"/>
           </a:p>
@@ -2564,7 +2564,7 @@
           <a:p>
             <a:fld id="{FB7EAFAB-9B03-4AE3-98E8-E3FE8F90ED90}" type="datetimeFigureOut">
               <a:rPr lang="en-US" smtClean="0"/>
-              <a:t>8/2/15</a:t>
+              <a:t>8/3/2015</a:t>
             </a:fld>
             <a:endParaRPr lang="en-US"/>
           </a:p>
@@ -3134,7 +3134,7 @@
         <p:spPr>
           <a:xfrm>
             <a:off x="1754657" y="2862138"/>
-            <a:ext cx="1798826" cy="369332"/>
+            <a:ext cx="1726242" cy="369332"/>
           </a:xfrm>
           <a:prstGeom prst="rect">
             <a:avLst/>
@@ -3148,8 +3148,12 @@
           <a:lstStyle/>
           <a:p>
             <a:r>
+              <a:rPr lang="en-US" b="1" smtClean="0"/>
+              <a:t>Anatomy </a:t>
+            </a:r>
+            <a:r>
               <a:rPr lang="en-US" b="1" dirty="0" smtClean="0"/>
-              <a:t>Structural Model</a:t>
+              <a:t>Model</a:t>
             </a:r>
             <a:endParaRPr lang="en-US" b="1" dirty="0"/>
           </a:p>

--- a/figs/models.pptx
+++ b/figs/models.pptx
@@ -106,7 +106,7 @@
   </p:defaultTextStyle>
   <p:extLst>
     <p:ext uri="{EFAFB233-063F-42B5-8137-9DF3F51BA10A}">
-      <p15:sldGuideLst xmlns:p15="http://schemas.microsoft.com/office/powerpoint/2012/main"/>
+      <p15:sldGuideLst xmlns:p15="http://schemas.microsoft.com/office/powerpoint/2012/main" xmlns=""/>
     </p:ext>
   </p:extLst>
 </p:presentation>
@@ -243,7 +243,7 @@
           <a:p>
             <a:fld id="{FB7EAFAB-9B03-4AE3-98E8-E3FE8F90ED90}" type="datetimeFigureOut">
               <a:rPr lang="en-US" smtClean="0"/>
-              <a:t>8/3/2015</a:t>
+              <a:t>8/22/15</a:t>
             </a:fld>
             <a:endParaRPr lang="en-US"/>
           </a:p>
@@ -413,7 +413,7 @@
           <a:p>
             <a:fld id="{FB7EAFAB-9B03-4AE3-98E8-E3FE8F90ED90}" type="datetimeFigureOut">
               <a:rPr lang="en-US" smtClean="0"/>
-              <a:t>8/3/2015</a:t>
+              <a:t>8/22/15</a:t>
             </a:fld>
             <a:endParaRPr lang="en-US"/>
           </a:p>
@@ -593,7 +593,7 @@
           <a:p>
             <a:fld id="{FB7EAFAB-9B03-4AE3-98E8-E3FE8F90ED90}" type="datetimeFigureOut">
               <a:rPr lang="en-US" smtClean="0"/>
-              <a:t>8/3/2015</a:t>
+              <a:t>8/22/15</a:t>
             </a:fld>
             <a:endParaRPr lang="en-US"/>
           </a:p>
@@ -763,7 +763,7 @@
           <a:p>
             <a:fld id="{FB7EAFAB-9B03-4AE3-98E8-E3FE8F90ED90}" type="datetimeFigureOut">
               <a:rPr lang="en-US" smtClean="0"/>
-              <a:t>8/3/2015</a:t>
+              <a:t>8/22/15</a:t>
             </a:fld>
             <a:endParaRPr lang="en-US"/>
           </a:p>
@@ -1009,7 +1009,7 @@
           <a:p>
             <a:fld id="{FB7EAFAB-9B03-4AE3-98E8-E3FE8F90ED90}" type="datetimeFigureOut">
               <a:rPr lang="en-US" smtClean="0"/>
-              <a:t>8/3/2015</a:t>
+              <a:t>8/22/15</a:t>
             </a:fld>
             <a:endParaRPr lang="en-US"/>
           </a:p>
@@ -1241,7 +1241,7 @@
           <a:p>
             <a:fld id="{FB7EAFAB-9B03-4AE3-98E8-E3FE8F90ED90}" type="datetimeFigureOut">
               <a:rPr lang="en-US" smtClean="0"/>
-              <a:t>8/3/2015</a:t>
+              <a:t>8/22/15</a:t>
             </a:fld>
             <a:endParaRPr lang="en-US"/>
           </a:p>
@@ -1608,7 +1608,7 @@
           <a:p>
             <a:fld id="{FB7EAFAB-9B03-4AE3-98E8-E3FE8F90ED90}" type="datetimeFigureOut">
               <a:rPr lang="en-US" smtClean="0"/>
-              <a:t>8/3/2015</a:t>
+              <a:t>8/22/15</a:t>
             </a:fld>
             <a:endParaRPr lang="en-US"/>
           </a:p>
@@ -1726,7 +1726,7 @@
           <a:p>
             <a:fld id="{FB7EAFAB-9B03-4AE3-98E8-E3FE8F90ED90}" type="datetimeFigureOut">
               <a:rPr lang="en-US" smtClean="0"/>
-              <a:t>8/3/2015</a:t>
+              <a:t>8/22/15</a:t>
             </a:fld>
             <a:endParaRPr lang="en-US"/>
           </a:p>
@@ -1821,7 +1821,7 @@
           <a:p>
             <a:fld id="{FB7EAFAB-9B03-4AE3-98E8-E3FE8F90ED90}" type="datetimeFigureOut">
               <a:rPr lang="en-US" smtClean="0"/>
-              <a:t>8/3/2015</a:t>
+              <a:t>8/22/15</a:t>
             </a:fld>
             <a:endParaRPr lang="en-US"/>
           </a:p>
@@ -2098,7 +2098,7 @@
           <a:p>
             <a:fld id="{FB7EAFAB-9B03-4AE3-98E8-E3FE8F90ED90}" type="datetimeFigureOut">
               <a:rPr lang="en-US" smtClean="0"/>
-              <a:t>8/3/2015</a:t>
+              <a:t>8/22/15</a:t>
             </a:fld>
             <a:endParaRPr lang="en-US"/>
           </a:p>
@@ -2351,7 +2351,7 @@
           <a:p>
             <a:fld id="{FB7EAFAB-9B03-4AE3-98E8-E3FE8F90ED90}" type="datetimeFigureOut">
               <a:rPr lang="en-US" smtClean="0"/>
-              <a:t>8/3/2015</a:t>
+              <a:t>8/22/15</a:t>
             </a:fld>
             <a:endParaRPr lang="en-US"/>
           </a:p>
@@ -2564,7 +2564,7 @@
           <a:p>
             <a:fld id="{FB7EAFAB-9B03-4AE3-98E8-E3FE8F90ED90}" type="datetimeFigureOut">
               <a:rPr lang="en-US" smtClean="0"/>
-              <a:t>8/3/2015</a:t>
+              <a:t>8/22/15</a:t>
             </a:fld>
             <a:endParaRPr lang="en-US"/>
           </a:p>
@@ -3039,8 +3039,8 @@
         </p:blipFill>
         <p:spPr>
           <a:xfrm>
-            <a:off x="7552135" y="602683"/>
-            <a:ext cx="1828800" cy="2171700"/>
+            <a:off x="7445306" y="475824"/>
+            <a:ext cx="1935629" cy="2298559"/>
           </a:xfrm>
           <a:prstGeom prst="rect">
             <a:avLst/>
@@ -3076,7 +3076,7 @@
           </a:prstGeom>
           <a:noFill/>
           <a:extLst>
-            <a:ext uri="{909E8E84-426E-40DD-AFC4-6F175D3DCCD1}">
+            <a:ext uri="{909E8E84-426E-40dd-AFC4-6F175D3DCCD1}">
               <a14:hiddenFill xmlns:a14="http://schemas.microsoft.com/office/drawing/2010/main">
                 <a:solidFill>
                   <a:srgbClr val="FFFFFF"/>
@@ -3107,15 +3107,15 @@
         </p:blipFill>
         <p:spPr bwMode="auto">
           <a:xfrm>
-            <a:off x="1887081" y="592747"/>
-            <a:ext cx="1469400" cy="2269391"/>
+            <a:off x="1887080" y="431023"/>
+            <a:ext cx="1574115" cy="2431116"/>
           </a:xfrm>
           <a:prstGeom prst="rect">
             <a:avLst/>
           </a:prstGeom>
           <a:noFill/>
           <a:extLst>
-            <a:ext uri="{909E8E84-426E-40DD-AFC4-6F175D3DCCD1}">
+            <a:ext uri="{909E8E84-426E-40dd-AFC4-6F175D3DCCD1}">
               <a14:hiddenFill xmlns:a14="http://schemas.microsoft.com/office/drawing/2010/main">
                 <a:solidFill>
                   <a:srgbClr val="FFFFFF"/>
@@ -3134,7 +3134,7 @@
         <p:spPr>
           <a:xfrm>
             <a:off x="1754657" y="2862138"/>
-            <a:ext cx="1726242" cy="369332"/>
+            <a:ext cx="2048345" cy="369332"/>
           </a:xfrm>
           <a:prstGeom prst="rect">
             <a:avLst/>
@@ -3148,8 +3148,8 @@
           <a:lstStyle/>
           <a:p>
             <a:r>
-              <a:rPr lang="en-US" b="1" smtClean="0"/>
-              <a:t>Anatomy </a:t>
+              <a:rPr lang="en-US" b="1" dirty="0" smtClean="0"/>
+              <a:t>(a) Anatomy </a:t>
             </a:r>
             <a:r>
               <a:rPr lang="en-US" b="1" dirty="0" smtClean="0"/>
@@ -3168,7 +3168,7 @@
         <p:spPr>
           <a:xfrm>
             <a:off x="1706839" y="5973954"/>
-            <a:ext cx="1923668" cy="369332"/>
+            <a:ext cx="2248407" cy="369332"/>
           </a:xfrm>
           <a:prstGeom prst="rect">
             <a:avLst/>
@@ -3183,7 +3183,11 @@
           <a:p>
             <a:r>
               <a:rPr lang="en-US" b="1" dirty="0" smtClean="0"/>
-              <a:t>Blood Flow Model</a:t>
+              <a:t>(b) Blood </a:t>
+            </a:r>
+            <a:r>
+              <a:rPr lang="en-US" b="1" dirty="0" smtClean="0"/>
+              <a:t>Flow Model</a:t>
             </a:r>
             <a:endParaRPr lang="en-US" b="1" dirty="0"/>
           </a:p>
@@ -3191,22 +3195,111 @@
       </p:sp>
       <p:sp>
         <p:nvSpPr>
-          <p:cNvPr id="12" name="右箭头 11"/>
+          <p:cNvPr id="22" name="文本框 21"/>
+          <p:cNvSpPr txBox="1"/>
+          <p:nvPr/>
+        </p:nvSpPr>
+        <p:spPr>
+          <a:xfrm>
+            <a:off x="7097352" y="2895611"/>
+            <a:ext cx="2849834" cy="369332"/>
+          </a:xfrm>
+          <a:prstGeom prst="rect">
+            <a:avLst/>
+          </a:prstGeom>
+          <a:noFill/>
+        </p:spPr>
+        <p:txBody>
+          <a:bodyPr wrap="none" rtlCol="0">
+            <a:spAutoFit/>
+          </a:bodyPr>
+          <a:lstStyle/>
+          <a:p>
+            <a:r>
+              <a:rPr lang="en-US" altLang="zh-CN" b="1" dirty="0" smtClean="0"/>
+              <a:t>(c) </a:t>
+            </a:r>
+            <a:r>
+              <a:rPr lang="en-US" altLang="zh-CN" b="1" dirty="0" smtClean="0"/>
+              <a:t>Electrophysiology</a:t>
+            </a:r>
+            <a:r>
+              <a:rPr lang="zh-CN" altLang="en-US" b="1" dirty="0" smtClean="0"/>
+              <a:t> </a:t>
+            </a:r>
+            <a:r>
+              <a:rPr lang="en-US" b="1" dirty="0" smtClean="0"/>
+              <a:t>Model</a:t>
+            </a:r>
+            <a:endParaRPr lang="en-US" b="1" dirty="0"/>
+          </a:p>
+        </p:txBody>
+      </p:sp>
+      <p:sp>
+        <p:nvSpPr>
+          <p:cNvPr id="25" name="文本框 21"/>
+          <p:cNvSpPr txBox="1"/>
+          <p:nvPr/>
+        </p:nvSpPr>
+        <p:spPr>
+          <a:xfrm>
+            <a:off x="6836911" y="5789288"/>
+            <a:ext cx="3004473" cy="369332"/>
+          </a:xfrm>
+          <a:prstGeom prst="rect">
+            <a:avLst/>
+          </a:prstGeom>
+          <a:noFill/>
+        </p:spPr>
+        <p:txBody>
+          <a:bodyPr wrap="none" rtlCol="0">
+            <a:spAutoFit/>
+          </a:bodyPr>
+          <a:lstStyle/>
+          <a:p>
+            <a:r>
+              <a:rPr lang="en-US" altLang="zh-CN" b="1" dirty="0" smtClean="0"/>
+              <a:t>(d) Electro</a:t>
+            </a:r>
+            <a:r>
+              <a:rPr lang="en-US" altLang="zh-CN" b="1" dirty="0" smtClean="0"/>
+              <a:t>-mechanical</a:t>
+            </a:r>
+            <a:r>
+              <a:rPr lang="zh-CN" altLang="en-US" b="1" dirty="0" smtClean="0"/>
+              <a:t> </a:t>
+            </a:r>
+            <a:r>
+              <a:rPr lang="en-US" b="1" dirty="0" smtClean="0"/>
+              <a:t>Model</a:t>
+            </a:r>
+            <a:endParaRPr lang="en-US" b="1" dirty="0"/>
+          </a:p>
+        </p:txBody>
+      </p:sp>
+      <p:sp>
+        <p:nvSpPr>
+          <p:cNvPr id="16" name="右箭头 16"/>
           <p:cNvSpPr/>
           <p:nvPr/>
         </p:nvSpPr>
         <p:spPr>
-          <a:xfrm rot="12820924">
-            <a:off x="3497390" y="2457173"/>
-            <a:ext cx="681134" cy="167951"/>
+          <a:xfrm rot="8296692">
+            <a:off x="3501258" y="4006613"/>
+            <a:ext cx="848915" cy="313717"/>
           </a:xfrm>
           <a:prstGeom prst="rightArrow">
             <a:avLst/>
           </a:prstGeom>
-          <a:noFill/>
-          <a:ln w="28575">
+          <a:solidFill>
+            <a:schemeClr val="accent1"/>
+          </a:solidFill>
+          <a:ln w="57150" cmpd="sng">
             <a:solidFill>
-              <a:schemeClr val="tx1"/>
+              <a:schemeClr val="accent1">
+                <a:lumMod val="40000"/>
+                <a:lumOff val="60000"/>
+              </a:schemeClr>
             </a:solidFill>
           </a:ln>
         </p:spPr>
@@ -3231,28 +3324,37 @@
           <a:lstStyle/>
           <a:p>
             <a:pPr algn="ctr"/>
-            <a:endParaRPr lang="en-US"/>
-          </a:p>
-        </p:txBody>
-      </p:sp>
-      <p:sp>
-        <p:nvSpPr>
-          <p:cNvPr id="17" name="右箭头 16"/>
+            <a:endParaRPr lang="en-US">
+              <a:solidFill>
+                <a:schemeClr val="accent1"/>
+              </a:solidFill>
+            </a:endParaRPr>
+          </a:p>
+        </p:txBody>
+      </p:sp>
+      <p:sp>
+        <p:nvSpPr>
+          <p:cNvPr id="18" name="右箭头 16"/>
           <p:cNvSpPr/>
           <p:nvPr/>
         </p:nvSpPr>
         <p:spPr>
-          <a:xfrm rot="8296692">
-            <a:off x="3551189" y="3915358"/>
-            <a:ext cx="681134" cy="167951"/>
+          <a:xfrm rot="12696995">
+            <a:off x="3513736" y="2404828"/>
+            <a:ext cx="848915" cy="313717"/>
           </a:xfrm>
           <a:prstGeom prst="rightArrow">
             <a:avLst/>
           </a:prstGeom>
-          <a:noFill/>
-          <a:ln w="28575">
+          <a:solidFill>
+            <a:schemeClr val="accent1"/>
+          </a:solidFill>
+          <a:ln w="57150" cmpd="sng">
             <a:solidFill>
-              <a:schemeClr val="tx1"/>
+              <a:schemeClr val="accent1">
+                <a:lumMod val="40000"/>
+                <a:lumOff val="60000"/>
+              </a:schemeClr>
             </a:solidFill>
           </a:ln>
         </p:spPr>
@@ -3277,28 +3379,37 @@
           <a:lstStyle/>
           <a:p>
             <a:pPr algn="ctr"/>
-            <a:endParaRPr lang="en-US"/>
-          </a:p>
-        </p:txBody>
-      </p:sp>
-      <p:sp>
-        <p:nvSpPr>
-          <p:cNvPr id="19" name="右箭头 18"/>
+            <a:endParaRPr lang="en-US">
+              <a:solidFill>
+                <a:schemeClr val="accent1"/>
+              </a:solidFill>
+            </a:endParaRPr>
+          </a:p>
+        </p:txBody>
+      </p:sp>
+      <p:sp>
+        <p:nvSpPr>
+          <p:cNvPr id="20" name="右箭头 16"/>
           <p:cNvSpPr/>
           <p:nvPr/>
         </p:nvSpPr>
         <p:spPr>
-          <a:xfrm rot="1865930">
-            <a:off x="6625943" y="4020294"/>
-            <a:ext cx="681134" cy="167951"/>
+          <a:xfrm rot="19176652">
+            <a:off x="6452087" y="2437114"/>
+            <a:ext cx="848915" cy="313717"/>
           </a:xfrm>
           <a:prstGeom prst="rightArrow">
             <a:avLst/>
           </a:prstGeom>
-          <a:noFill/>
-          <a:ln w="28575">
+          <a:solidFill>
+            <a:schemeClr val="accent1"/>
+          </a:solidFill>
+          <a:ln w="57150" cmpd="sng">
             <a:solidFill>
-              <a:schemeClr val="tx1"/>
+              <a:schemeClr val="accent1">
+                <a:lumMod val="40000"/>
+                <a:lumOff val="60000"/>
+              </a:schemeClr>
             </a:solidFill>
           </a:ln>
         </p:spPr>
@@ -3323,66 +3434,37 @@
           <a:lstStyle/>
           <a:p>
             <a:pPr algn="ctr"/>
-            <a:endParaRPr lang="en-US"/>
-          </a:p>
-        </p:txBody>
-      </p:sp>
-      <p:sp>
-        <p:nvSpPr>
-          <p:cNvPr id="22" name="文本框 21"/>
-          <p:cNvSpPr txBox="1"/>
-          <p:nvPr/>
-        </p:nvSpPr>
-        <p:spPr>
-          <a:xfrm>
-            <a:off x="7196956" y="2895611"/>
-            <a:ext cx="2539157" cy="369332"/>
-          </a:xfrm>
-          <a:prstGeom prst="rect">
-            <a:avLst/>
-          </a:prstGeom>
-          <a:noFill/>
-        </p:spPr>
-        <p:txBody>
-          <a:bodyPr wrap="none" rtlCol="0">
-            <a:spAutoFit/>
-          </a:bodyPr>
-          <a:lstStyle/>
-          <a:p>
-            <a:r>
-              <a:rPr lang="en-US" altLang="zh-CN" b="1" dirty="0" smtClean="0"/>
-              <a:t>Electrophysiology</a:t>
-            </a:r>
-            <a:r>
-              <a:rPr lang="zh-CN" altLang="en-US" b="1" dirty="0" smtClean="0"/>
-              <a:t> </a:t>
-            </a:r>
-            <a:r>
-              <a:rPr lang="en-US" b="1" dirty="0" smtClean="0"/>
-              <a:t>Model</a:t>
-            </a:r>
-            <a:endParaRPr lang="en-US" b="1" dirty="0"/>
-          </a:p>
-        </p:txBody>
-      </p:sp>
-      <p:sp>
-        <p:nvSpPr>
-          <p:cNvPr id="24" name="右箭头 18"/>
+            <a:endParaRPr lang="en-US">
+              <a:solidFill>
+                <a:schemeClr val="accent1"/>
+              </a:solidFill>
+            </a:endParaRPr>
+          </a:p>
+        </p:txBody>
+      </p:sp>
+      <p:sp>
+        <p:nvSpPr>
+          <p:cNvPr id="21" name="右箭头 16"/>
           <p:cNvSpPr/>
           <p:nvPr/>
         </p:nvSpPr>
         <p:spPr>
-          <a:xfrm rot="19244969">
-            <a:off x="6600250" y="2430791"/>
-            <a:ext cx="681134" cy="167951"/>
+          <a:xfrm rot="1779731">
+            <a:off x="6538191" y="4115965"/>
+            <a:ext cx="848915" cy="313717"/>
           </a:xfrm>
           <a:prstGeom prst="rightArrow">
             <a:avLst/>
           </a:prstGeom>
-          <a:noFill/>
-          <a:ln w="28575">
+          <a:solidFill>
+            <a:schemeClr val="accent1"/>
+          </a:solidFill>
+          <a:ln w="57150" cmpd="sng">
             <a:solidFill>
-              <a:schemeClr val="tx1"/>
+              <a:schemeClr val="accent1">
+                <a:lumMod val="40000"/>
+                <a:lumOff val="60000"/>
+              </a:schemeClr>
             </a:solidFill>
           </a:ln>
         </p:spPr>
@@ -3407,45 +3489,11 @@
           <a:lstStyle/>
           <a:p>
             <a:pPr algn="ctr"/>
-            <a:endParaRPr lang="en-US"/>
-          </a:p>
-        </p:txBody>
-      </p:sp>
-      <p:sp>
-        <p:nvSpPr>
-          <p:cNvPr id="25" name="文本框 21"/>
-          <p:cNvSpPr txBox="1"/>
-          <p:nvPr/>
-        </p:nvSpPr>
-        <p:spPr>
-          <a:xfrm>
-            <a:off x="7011218" y="5789288"/>
-            <a:ext cx="2671822" cy="369332"/>
-          </a:xfrm>
-          <a:prstGeom prst="rect">
-            <a:avLst/>
-          </a:prstGeom>
-          <a:noFill/>
-        </p:spPr>
-        <p:txBody>
-          <a:bodyPr wrap="none" rtlCol="0">
-            <a:spAutoFit/>
-          </a:bodyPr>
-          <a:lstStyle/>
-          <a:p>
-            <a:r>
-              <a:rPr lang="en-US" altLang="zh-CN" b="1" smtClean="0"/>
-              <a:t>Electro-mechanical</a:t>
-            </a:r>
-            <a:r>
-              <a:rPr lang="zh-CN" altLang="en-US" b="1" dirty="0" smtClean="0"/>
-              <a:t> </a:t>
-            </a:r>
-            <a:r>
-              <a:rPr lang="en-US" b="1" dirty="0" smtClean="0"/>
-              <a:t>Model</a:t>
-            </a:r>
-            <a:endParaRPr lang="en-US" b="1" dirty="0"/>
+            <a:endParaRPr lang="en-US">
+              <a:solidFill>
+                <a:schemeClr val="accent1"/>
+              </a:solidFill>
+            </a:endParaRPr>
           </a:p>
         </p:txBody>
       </p:sp>
@@ -3505,7 +3553,7 @@
     </a:clrScheme>
     <a:fontScheme name="Office">
       <a:majorFont>
-        <a:latin typeface="Calibri Light" panose="020F0302020204030204"/>
+        <a:latin typeface="Calibri Light"/>
         <a:ea typeface=""/>
         <a:cs typeface=""/>
         <a:font script="Jpan" typeface="ＭＳ Ｐゴシック"/>
@@ -3540,7 +3588,7 @@
         <a:font script="Geor" typeface="Sylfaen"/>
       </a:majorFont>
       <a:minorFont>
-        <a:latin typeface="Calibri" panose="020F0502020204030204"/>
+        <a:latin typeface="Calibri"/>
         <a:ea typeface=""/>
         <a:cs typeface=""/>
         <a:font script="Jpan" typeface="ＭＳ Ｐゴシック"/>
@@ -3717,7 +3765,7 @@
   <a:extraClrSchemeLst/>
   <a:extLst>
     <a:ext uri="{05A4C25C-085E-4340-85A3-A5531E510DB2}">
-      <thm15:themeFamily xmlns:thm15="http://schemas.microsoft.com/office/thememl/2012/main" name="Office Theme" id="{62F939B6-93AF-4DB8-9C6B-D6C7DFDC589F}" vid="{4A3C46E8-61CC-4603-A589-7422A47A8E4A}"/>
+      <thm15:themeFamily xmlns:thm15="http://schemas.microsoft.com/office/thememl/2012/main" xmlns="" name="Office Theme" id="{62F939B6-93AF-4DB8-9C6B-D6C7DFDC589F}" vid="{4A3C46E8-61CC-4603-A589-7422A47A8E4A}"/>
     </a:ext>
   </a:extLst>
 </a:theme>
